--- a/slides/intro to machine learning with scikit-learn.pptx
+++ b/slides/intro to machine learning with scikit-learn.pptx
@@ -20,7 +20,7 @@
     <p:sldId id="269" r:id="rId11"/>
     <p:sldId id="270" r:id="rId12"/>
     <p:sldId id="271" r:id="rId13"/>
-    <p:sldId id="263" r:id="rId14"/>
+    <p:sldId id="272" r:id="rId14"/>
     <p:sldId id="264" r:id="rId15"/>
     <p:sldId id="262" r:id="rId16"/>
   </p:sldIdLst>
@@ -762,6 +762,105 @@
 </p:notes>
 </file>
 
+<file path=ppt/notesSlides/notesSlide4.xml><?xml version="1.0" encoding="utf-8"?>
+<p:notes xmlns:a="http://schemas.openxmlformats.org/drawingml/2006/main" xmlns:r="http://schemas.openxmlformats.org/officeDocument/2006/relationships" xmlns:p="http://schemas.openxmlformats.org/presentationml/2006/main">
+  <p:cSld>
+    <p:spTree>
+      <p:nvGrpSpPr>
+        <p:cNvPr id="1" name=""/>
+        <p:cNvGrpSpPr/>
+        <p:nvPr/>
+      </p:nvGrpSpPr>
+      <p:grpSpPr>
+        <a:xfrm>
+          <a:off x="0" y="0"/>
+          <a:ext cx="0" cy="0"/>
+          <a:chOff x="0" y="0"/>
+          <a:chExt cx="0" cy="0"/>
+        </a:xfrm>
+      </p:grpSpPr>
+      <p:sp>
+        <p:nvSpPr>
+          <p:cNvPr id="2" name="Slide Image Placeholder 1"/>
+          <p:cNvSpPr>
+            <a:spLocks noGrp="1" noRot="1" noChangeAspect="1"/>
+          </p:cNvSpPr>
+          <p:nvPr>
+            <p:ph type="sldImg"/>
+          </p:nvPr>
+        </p:nvSpPr>
+        <p:spPr/>
+      </p:sp>
+      <p:sp>
+        <p:nvSpPr>
+          <p:cNvPr id="3" name="Notes Placeholder 2"/>
+          <p:cNvSpPr>
+            <a:spLocks noGrp="1"/>
+          </p:cNvSpPr>
+          <p:nvPr>
+            <p:ph type="body" idx="1"/>
+          </p:nvPr>
+        </p:nvSpPr>
+        <p:spPr/>
+        <p:txBody>
+          <a:bodyPr/>
+          <a:lstStyle/>
+          <a:p>
+            <a:r>
+              <a:rPr lang="en-US" dirty="0"/>
+              <a:t>Linear Algebra:</a:t>
+            </a:r>
+          </a:p>
+          <a:p>
+            <a:r>
+              <a:rPr lang="en-US" dirty="0"/>
+              <a:t>a intercept</a:t>
+            </a:r>
+          </a:p>
+          <a:p>
+            <a:r>
+              <a:rPr lang="en-US" dirty="0"/>
+              <a:t>b slope</a:t>
+            </a:r>
+          </a:p>
+        </p:txBody>
+      </p:sp>
+      <p:sp>
+        <p:nvSpPr>
+          <p:cNvPr id="4" name="Slide Number Placeholder 3"/>
+          <p:cNvSpPr>
+            <a:spLocks noGrp="1"/>
+          </p:cNvSpPr>
+          <p:nvPr>
+            <p:ph type="sldNum" sz="quarter" idx="5"/>
+          </p:nvPr>
+        </p:nvSpPr>
+        <p:spPr/>
+        <p:txBody>
+          <a:bodyPr/>
+          <a:lstStyle/>
+          <a:p>
+            <a:fld id="{DF628CD7-AA0A-6447-8EAF-08A12C3B4400}" type="slidenum">
+              <a:rPr lang="en-US" smtClean="0"/>
+              <a:t>11</a:t>
+            </a:fld>
+            <a:endParaRPr lang="en-US"/>
+          </a:p>
+        </p:txBody>
+      </p:sp>
+    </p:spTree>
+    <p:extLst>
+      <p:ext uri="{BB962C8B-B14F-4D97-AF65-F5344CB8AC3E}">
+        <p14:creationId xmlns:p14="http://schemas.microsoft.com/office/powerpoint/2010/main" val="697603396"/>
+      </p:ext>
+    </p:extLst>
+  </p:cSld>
+  <p:clrMapOvr>
+    <a:masterClrMapping/>
+  </p:clrMapOvr>
+</p:notes>
+</file>
+
 <file path=ppt/slideLayouts/slideLayout1.xml><?xml version="1.0" encoding="utf-8"?>
 <p:sldLayout xmlns:a="http://schemas.openxmlformats.org/drawingml/2006/main" xmlns:r="http://schemas.openxmlformats.org/officeDocument/2006/relationships" xmlns:p="http://schemas.openxmlformats.org/presentationml/2006/main" type="title" preserve="1">
   <p:cSld name="Title Slide">
@@ -1437,7 +1536,7 @@
           <a:lstStyle/>
           <a:p>
             <a:r>
-              <a:rPr lang="en-US"/>
+              <a:rPr lang="en-US" dirty="0"/>
               <a:t>Click to edit Master title style</a:t>
             </a:r>
           </a:p>
@@ -3463,7 +3562,7 @@
           <a:lstStyle/>
           <a:p>
             <a:r>
-              <a:rPr lang="en-US"/>
+              <a:rPr lang="en-US" dirty="0"/>
               <a:t>Click to edit Master title style</a:t>
             </a:r>
           </a:p>
@@ -3705,7 +3804,7 @@
           <a:spcPct val="0"/>
         </a:spcBef>
         <a:buNone/>
-        <a:defRPr sz="4400" kern="1200">
+        <a:defRPr sz="5400" kern="1200">
           <a:solidFill>
             <a:schemeClr val="tx1"/>
           </a:solidFill>
@@ -4172,7 +4271,12 @@
             <p:ph type="title"/>
           </p:nvPr>
         </p:nvSpPr>
-        <p:spPr/>
+        <p:spPr>
+          <a:xfrm>
+            <a:off x="838199" y="0"/>
+            <a:ext cx="8364415" cy="1325563"/>
+          </a:xfrm>
+        </p:spPr>
         <p:txBody>
           <a:bodyPr>
             <a:normAutofit/>
@@ -4208,8 +4312,8 @@
         </p:nvSpPr>
         <p:spPr>
           <a:xfrm>
-            <a:off x="838199" y="1463040"/>
-            <a:ext cx="10216662" cy="4351338"/>
+            <a:off x="838199" y="1137138"/>
+            <a:ext cx="10216662" cy="4677240"/>
           </a:xfrm>
         </p:spPr>
         <p:txBody>
@@ -4245,7 +4349,7 @@
             </a:r>
             <a:r>
               <a:rPr lang="en-US" dirty="0"/>
-              <a:t>(), one column for each type, e.g.</a:t>
+              <a:t>(), one column for each type, e.g. one feature became 5 binary features:</a:t>
             </a:r>
           </a:p>
         </p:txBody>
@@ -4297,7 +4401,7 @@
         </p:blipFill>
         <p:spPr>
           <a:xfrm>
-            <a:off x="1206011" y="4299781"/>
+            <a:off x="1206011" y="4440457"/>
             <a:ext cx="1630973" cy="2409726"/>
           </a:xfrm>
           <a:prstGeom prst="rect">
@@ -4327,7 +4431,7 @@
         </p:blipFill>
         <p:spPr>
           <a:xfrm>
-            <a:off x="3481753" y="4299781"/>
+            <a:off x="3481753" y="4440457"/>
             <a:ext cx="8284324" cy="2409726"/>
           </a:xfrm>
           <a:prstGeom prst="rect">
@@ -4409,7 +4513,7 @@
           <p:cNvPr id="2" name="Title 1">
             <a:extLst>
               <a:ext uri="{FF2B5EF4-FFF2-40B4-BE49-F238E27FC236}">
-                <a16:creationId xmlns:a16="http://schemas.microsoft.com/office/drawing/2014/main" id="{9D22BEB8-3B6F-F546-9EB7-063F4AA9C8C5}"/>
+                <a16:creationId xmlns:a16="http://schemas.microsoft.com/office/drawing/2014/main" id="{4633CDAC-9AF8-5D49-9A60-4D18FDD26965}"/>
               </a:ext>
             </a:extLst>
           </p:cNvPr>
@@ -4425,7 +4529,10 @@
           <a:bodyPr/>
           <a:lstStyle/>
           <a:p>
-            <a:endParaRPr lang="en-US"/>
+            <a:r>
+              <a:rPr lang="en-US" dirty="0"/>
+              <a:t>Linear Regression</a:t>
+            </a:r>
           </a:p>
         </p:txBody>
       </p:sp>
@@ -4434,7 +4541,7 @@
           <p:cNvPr id="3" name="Content Placeholder 2">
             <a:extLst>
               <a:ext uri="{FF2B5EF4-FFF2-40B4-BE49-F238E27FC236}">
-                <a16:creationId xmlns:a16="http://schemas.microsoft.com/office/drawing/2014/main" id="{ABFBA949-4EC6-9F40-9975-1CC691349C9A}"/>
+                <a16:creationId xmlns:a16="http://schemas.microsoft.com/office/drawing/2014/main" id="{851F52EF-E0E0-4745-9201-23C1DA875E62}"/>
               </a:ext>
             </a:extLst>
           </p:cNvPr>
@@ -4450,7 +4557,36 @@
           <a:bodyPr/>
           <a:lstStyle/>
           <a:p>
-            <a:endParaRPr lang="en-US"/>
+            <a:pPr marL="0" indent="0" algn="ctr">
+              <a:buNone/>
+            </a:pPr>
+            <a:r>
+              <a:rPr lang="en-US" dirty="0"/>
+              <a:t>y= a + </a:t>
+            </a:r>
+            <a:r>
+              <a:rPr lang="en-US" dirty="0" err="1"/>
+              <a:t>bX</a:t>
+            </a:r>
+            <a:endParaRPr lang="en-US" dirty="0"/>
+          </a:p>
+          <a:p>
+            <a:r>
+              <a:rPr lang="en-US" dirty="0"/>
+              <a:t>y = target variable (response variable)</a:t>
+            </a:r>
+          </a:p>
+          <a:p>
+            <a:r>
+              <a:rPr lang="en-US" dirty="0"/>
+              <a:t>X= feature (explanatory variable)</a:t>
+            </a:r>
+          </a:p>
+          <a:p>
+            <a:r>
+              <a:rPr lang="en-US" dirty="0"/>
+              <a:t>a, b : model parameters</a:t>
+            </a:r>
           </a:p>
         </p:txBody>
       </p:sp>
@@ -4459,7 +4595,7 @@
           <p:cNvPr id="4" name="Footer Placeholder 3">
             <a:extLst>
               <a:ext uri="{FF2B5EF4-FFF2-40B4-BE49-F238E27FC236}">
-                <a16:creationId xmlns:a16="http://schemas.microsoft.com/office/drawing/2014/main" id="{EBE16110-7F6E-4F48-843C-DAE4DDDD187A}"/>
+                <a16:creationId xmlns:a16="http://schemas.microsoft.com/office/drawing/2014/main" id="{ACC5335E-814B-ED43-A4B8-A87C57F48474}"/>
               </a:ext>
             </a:extLst>
           </p:cNvPr>
@@ -4482,7 +4618,7 @@
     </p:spTree>
     <p:extLst>
       <p:ext uri="{BB962C8B-B14F-4D97-AF65-F5344CB8AC3E}">
-        <p14:creationId xmlns:p14="http://schemas.microsoft.com/office/powerpoint/2010/main" val="1076602982"/>
+        <p14:creationId xmlns:p14="http://schemas.microsoft.com/office/powerpoint/2010/main" val="3586618267"/>
       </p:ext>
     </p:extLst>
   </p:cSld>
@@ -4514,7 +4650,7 @@
           <p:cNvPr id="2" name="Title 1">
             <a:extLst>
               <a:ext uri="{FF2B5EF4-FFF2-40B4-BE49-F238E27FC236}">
-                <a16:creationId xmlns:a16="http://schemas.microsoft.com/office/drawing/2014/main" id="{0439BEF7-E25A-A04D-B8FB-81B33FF5980A}"/>
+                <a16:creationId xmlns:a16="http://schemas.microsoft.com/office/drawing/2014/main" id="{C4EE7E53-33FC-A24A-977E-F4F1D82C3CCE}"/>
               </a:ext>
             </a:extLst>
           </p:cNvPr>
@@ -4530,7 +4666,15 @@
           <a:bodyPr/>
           <a:lstStyle/>
           <a:p>
-            <a:endParaRPr lang="en-US"/>
+            <a:r>
+              <a:rPr lang="en-US" dirty="0" err="1"/>
+              <a:t>Algo</a:t>
+            </a:r>
+            <a:r>
+              <a:rPr lang="en-US"/>
+              <a:t> Intuition</a:t>
+            </a:r>
+            <a:endParaRPr lang="en-US" dirty="0"/>
           </a:p>
         </p:txBody>
       </p:sp>
@@ -4539,7 +4683,7 @@
           <p:cNvPr id="3" name="Content Placeholder 2">
             <a:extLst>
               <a:ext uri="{FF2B5EF4-FFF2-40B4-BE49-F238E27FC236}">
-                <a16:creationId xmlns:a16="http://schemas.microsoft.com/office/drawing/2014/main" id="{DE156BE4-27A9-9347-8432-99A304499A01}"/>
+                <a16:creationId xmlns:a16="http://schemas.microsoft.com/office/drawing/2014/main" id="{17B39091-6E04-BC45-B99E-DDB365991135}"/>
               </a:ext>
             </a:extLst>
           </p:cNvPr>
@@ -4555,7 +4699,20 @@
           <a:bodyPr/>
           <a:lstStyle/>
           <a:p>
-            <a:endParaRPr lang="en-US"/>
+            <a:r>
+              <a:rPr lang="en-US" dirty="0"/>
+              <a:t>It fits the line, that minimizes the residual</a:t>
+            </a:r>
+            <a:br>
+              <a:rPr lang="en-US" dirty="0"/>
+            </a:br>
+            <a:r>
+              <a:rPr lang="en-US" dirty="0"/>
+              <a:t>errors</a:t>
+            </a:r>
+          </a:p>
+          <a:p>
+            <a:endParaRPr lang="en-US" dirty="0"/>
           </a:p>
         </p:txBody>
       </p:sp>
@@ -4564,7 +4721,7 @@
           <p:cNvPr id="4" name="Footer Placeholder 3">
             <a:extLst>
               <a:ext uri="{FF2B5EF4-FFF2-40B4-BE49-F238E27FC236}">
-                <a16:creationId xmlns:a16="http://schemas.microsoft.com/office/drawing/2014/main" id="{8F141A8E-EC32-714D-8954-6FD08811B150}"/>
+                <a16:creationId xmlns:a16="http://schemas.microsoft.com/office/drawing/2014/main" id="{CBCF61CF-E18D-704F-9546-F580C081D5DF}"/>
               </a:ext>
             </a:extLst>
           </p:cNvPr>
@@ -4584,10 +4741,40 @@
           </a:p>
         </p:txBody>
       </p:sp>
+      <p:pic>
+        <p:nvPicPr>
+          <p:cNvPr id="5" name="Picture 4">
+            <a:extLst>
+              <a:ext uri="{FF2B5EF4-FFF2-40B4-BE49-F238E27FC236}">
+                <a16:creationId xmlns:a16="http://schemas.microsoft.com/office/drawing/2014/main" id="{4C8A19FA-1959-894E-8F76-4592F849B274}"/>
+              </a:ext>
+            </a:extLst>
+          </p:cNvPr>
+          <p:cNvPicPr>
+            <a:picLocks noChangeAspect="1"/>
+          </p:cNvPicPr>
+          <p:nvPr/>
+        </p:nvPicPr>
+        <p:blipFill>
+          <a:blip r:embed="rId2"/>
+          <a:stretch>
+            <a:fillRect/>
+          </a:stretch>
+        </p:blipFill>
+        <p:spPr>
+          <a:xfrm>
+            <a:off x="2497015" y="2486011"/>
+            <a:ext cx="5489534" cy="4371989"/>
+          </a:xfrm>
+          <a:prstGeom prst="rect">
+            <a:avLst/>
+          </a:prstGeom>
+        </p:spPr>
+      </p:pic>
     </p:spTree>
     <p:extLst>
       <p:ext uri="{BB962C8B-B14F-4D97-AF65-F5344CB8AC3E}">
-        <p14:creationId xmlns:p14="http://schemas.microsoft.com/office/powerpoint/2010/main" val="3129776400"/>
+        <p14:creationId xmlns:p14="http://schemas.microsoft.com/office/powerpoint/2010/main" val="2887173414"/>
       </p:ext>
     </p:extLst>
   </p:cSld>
@@ -4619,7 +4806,7 @@
           <p:cNvPr id="2" name="Title 1">
             <a:extLst>
               <a:ext uri="{FF2B5EF4-FFF2-40B4-BE49-F238E27FC236}">
-                <a16:creationId xmlns:a16="http://schemas.microsoft.com/office/drawing/2014/main" id="{6D498C4C-345D-F245-B5CD-3FEB4B93B4EE}"/>
+                <a16:creationId xmlns:a16="http://schemas.microsoft.com/office/drawing/2014/main" id="{1EF395B2-9369-454D-875C-8C87820EDA6F}"/>
               </a:ext>
             </a:extLst>
           </p:cNvPr>
@@ -4644,7 +4831,7 @@
           <p:cNvPr id="3" name="Content Placeholder 2">
             <a:extLst>
               <a:ext uri="{FF2B5EF4-FFF2-40B4-BE49-F238E27FC236}">
-                <a16:creationId xmlns:a16="http://schemas.microsoft.com/office/drawing/2014/main" id="{1ADECD3A-0367-0C41-92BB-5110CE4CB8A8}"/>
+                <a16:creationId xmlns:a16="http://schemas.microsoft.com/office/drawing/2014/main" id="{12B52ED8-4400-384C-B6D1-0608D251B6C1}"/>
               </a:ext>
             </a:extLst>
           </p:cNvPr>
@@ -4669,7 +4856,7 @@
           <p:cNvPr id="4" name="Footer Placeholder 3">
             <a:extLst>
               <a:ext uri="{FF2B5EF4-FFF2-40B4-BE49-F238E27FC236}">
-                <a16:creationId xmlns:a16="http://schemas.microsoft.com/office/drawing/2014/main" id="{37C3D7EE-9047-0F48-B2DE-EC93FADCE877}"/>
+                <a16:creationId xmlns:a16="http://schemas.microsoft.com/office/drawing/2014/main" id="{56E64F5E-42A3-5540-BB6E-0AFC9605A345}"/>
               </a:ext>
             </a:extLst>
           </p:cNvPr>
@@ -4692,7 +4879,7 @@
     </p:spTree>
     <p:extLst>
       <p:ext uri="{BB962C8B-B14F-4D97-AF65-F5344CB8AC3E}">
-        <p14:creationId xmlns:p14="http://schemas.microsoft.com/office/powerpoint/2010/main" val="429779221"/>
+        <p14:creationId xmlns:p14="http://schemas.microsoft.com/office/powerpoint/2010/main" val="4271192722"/>
       </p:ext>
     </p:extLst>
   </p:cSld>
